--- a/lectures/Game Search Spaces 2019.pptx
+++ b/lectures/Game Search Spaces 2019.pptx
@@ -235,7 +235,7 @@
           <a:p>
             <a:fld id="{ACBCE9EE-8D76-4ABF-B157-71B6E1555D24}" type="datetimeFigureOut">
               <a:rPr lang="en-GB" smtClean="0"/>
-              <a:t>02/06/2019</a:t>
+              <a:t>03/06/2019</a:t>
             </a:fld>
             <a:endParaRPr lang="en-GB"/>
           </a:p>
@@ -771,7 +771,7 @@
           <a:p>
             <a:fld id="{6B06F7F7-D708-4C45-A30D-CC2D049B444D}" type="datetimeFigureOut">
               <a:rPr lang="en-US" smtClean="0"/>
-              <a:t>6/2/19</a:t>
+              <a:t>6/3/19</a:t>
             </a:fld>
             <a:endParaRPr lang="en-US"/>
           </a:p>
@@ -941,7 +941,7 @@
           <a:p>
             <a:fld id="{6B06F7F7-D708-4C45-A30D-CC2D049B444D}" type="datetimeFigureOut">
               <a:rPr lang="en-US" smtClean="0"/>
-              <a:t>6/2/19</a:t>
+              <a:t>6/3/19</a:t>
             </a:fld>
             <a:endParaRPr lang="en-US"/>
           </a:p>
@@ -1121,7 +1121,7 @@
           <a:p>
             <a:fld id="{6B06F7F7-D708-4C45-A30D-CC2D049B444D}" type="datetimeFigureOut">
               <a:rPr lang="en-US" smtClean="0"/>
-              <a:t>6/2/19</a:t>
+              <a:t>6/3/19</a:t>
             </a:fld>
             <a:endParaRPr lang="en-US"/>
           </a:p>
@@ -1291,7 +1291,7 @@
           <a:p>
             <a:fld id="{6B06F7F7-D708-4C45-A30D-CC2D049B444D}" type="datetimeFigureOut">
               <a:rPr lang="en-US" smtClean="0"/>
-              <a:t>6/2/19</a:t>
+              <a:t>6/3/19</a:t>
             </a:fld>
             <a:endParaRPr lang="en-US"/>
           </a:p>
@@ -1537,7 +1537,7 @@
           <a:p>
             <a:fld id="{6B06F7F7-D708-4C45-A30D-CC2D049B444D}" type="datetimeFigureOut">
               <a:rPr lang="en-US" smtClean="0"/>
-              <a:t>6/2/19</a:t>
+              <a:t>6/3/19</a:t>
             </a:fld>
             <a:endParaRPr lang="en-US"/>
           </a:p>
@@ -1825,7 +1825,7 @@
           <a:p>
             <a:fld id="{6B06F7F7-D708-4C45-A30D-CC2D049B444D}" type="datetimeFigureOut">
               <a:rPr lang="en-US" smtClean="0"/>
-              <a:t>6/2/19</a:t>
+              <a:t>6/3/19</a:t>
             </a:fld>
             <a:endParaRPr lang="en-US"/>
           </a:p>
@@ -2247,7 +2247,7 @@
           <a:p>
             <a:fld id="{6B06F7F7-D708-4C45-A30D-CC2D049B444D}" type="datetimeFigureOut">
               <a:rPr lang="en-US" smtClean="0"/>
-              <a:t>6/2/19</a:t>
+              <a:t>6/3/19</a:t>
             </a:fld>
             <a:endParaRPr lang="en-US"/>
           </a:p>
@@ -2365,7 +2365,7 @@
           <a:p>
             <a:fld id="{6B06F7F7-D708-4C45-A30D-CC2D049B444D}" type="datetimeFigureOut">
               <a:rPr lang="en-US" smtClean="0"/>
-              <a:t>6/2/19</a:t>
+              <a:t>6/3/19</a:t>
             </a:fld>
             <a:endParaRPr lang="en-US"/>
           </a:p>
@@ -2460,7 +2460,7 @@
           <a:p>
             <a:fld id="{6B06F7F7-D708-4C45-A30D-CC2D049B444D}" type="datetimeFigureOut">
               <a:rPr lang="en-US" smtClean="0"/>
-              <a:t>6/2/19</a:t>
+              <a:t>6/3/19</a:t>
             </a:fld>
             <a:endParaRPr lang="en-US"/>
           </a:p>
@@ -2737,7 +2737,7 @@
           <a:p>
             <a:fld id="{6B06F7F7-D708-4C45-A30D-CC2D049B444D}" type="datetimeFigureOut">
               <a:rPr lang="en-US" smtClean="0"/>
-              <a:t>6/2/19</a:t>
+              <a:t>6/3/19</a:t>
             </a:fld>
             <a:endParaRPr lang="en-US"/>
           </a:p>
@@ -2990,7 +2990,7 @@
           <a:p>
             <a:fld id="{6B06F7F7-D708-4C45-A30D-CC2D049B444D}" type="datetimeFigureOut">
               <a:rPr lang="en-US" smtClean="0"/>
-              <a:t>6/2/19</a:t>
+              <a:t>6/3/19</a:t>
             </a:fld>
             <a:endParaRPr lang="en-US"/>
           </a:p>
@@ -3203,7 +3203,7 @@
           <a:p>
             <a:fld id="{6B06F7F7-D708-4C45-A30D-CC2D049B444D}" type="datetimeFigureOut">
               <a:rPr lang="en-US" smtClean="0"/>
-              <a:t>6/2/19</a:t>
+              <a:t>6/3/19</a:t>
             </a:fld>
             <a:endParaRPr lang="en-US"/>
           </a:p>
